--- a/Clase12/Presentación.pptx
+++ b/Clase12/Presentación.pptx
@@ -5,7 +5,7 @@
     <p:sldMasterId id="2147483672" r:id="rId1"/>
   </p:sldMasterIdLst>
   <p:notesMasterIdLst>
-    <p:notesMasterId r:id="rId31"/>
+    <p:notesMasterId r:id="rId32"/>
   </p:notesMasterIdLst>
   <p:sldIdLst>
     <p:sldId id="256" r:id="rId2"/>
@@ -37,6 +37,7 @@
     <p:sldId id="383" r:id="rId28"/>
     <p:sldId id="384" r:id="rId29"/>
     <p:sldId id="385" r:id="rId30"/>
+    <p:sldId id="389" r:id="rId31"/>
   </p:sldIdLst>
   <p:sldSz cx="12192000" cy="6858000"/>
   <p:notesSz cx="6858000" cy="9144000"/>
@@ -18908,6 +18909,113 @@
   <p:clrMapOvr>
     <a:masterClrMapping/>
   </p:clrMapOvr>
+</p:sld>
+</file>
+
+<file path=ppt/slides/slide30.xml><?xml version="1.0" encoding="utf-8"?>
+<p:sld xmlns:a="http://schemas.openxmlformats.org/drawingml/2006/main" xmlns:r="http://schemas.openxmlformats.org/officeDocument/2006/relationships" xmlns:p="http://schemas.openxmlformats.org/presentationml/2006/main">
+  <p:cSld>
+    <p:spTree>
+      <p:nvGrpSpPr>
+        <p:cNvPr id="1" name=""/>
+        <p:cNvGrpSpPr/>
+        <p:nvPr/>
+      </p:nvGrpSpPr>
+      <p:grpSpPr>
+        <a:xfrm>
+          <a:off x="0" y="0"/>
+          <a:ext cx="0" cy="0"/>
+          <a:chOff x="0" y="0"/>
+          <a:chExt cx="0" cy="0"/>
+        </a:xfrm>
+      </p:grpSpPr>
+      <p:sp>
+        <p:nvSpPr>
+          <p:cNvPr id="2" name="Título 1"/>
+          <p:cNvSpPr>
+            <a:spLocks noGrp="1"/>
+          </p:cNvSpPr>
+          <p:nvPr>
+            <p:ph type="title"/>
+          </p:nvPr>
+        </p:nvSpPr>
+        <p:spPr/>
+        <p:txBody>
+          <a:bodyPr/>
+          <a:lstStyle/>
+          <a:p>
+            <a:r>
+              <a:rPr lang="es-ES" dirty="0" smtClean="0"/>
+              <a:t>Ejercicios</a:t>
+            </a:r>
+            <a:endParaRPr lang="es-CO" dirty="0"/>
+          </a:p>
+        </p:txBody>
+      </p:sp>
+      <p:sp>
+        <p:nvSpPr>
+          <p:cNvPr id="3" name="Marcador de contenido 2"/>
+          <p:cNvSpPr>
+            <a:spLocks noGrp="1"/>
+          </p:cNvSpPr>
+          <p:nvPr>
+            <p:ph idx="1"/>
+          </p:nvPr>
+        </p:nvSpPr>
+        <p:spPr/>
+        <p:txBody>
+          <a:bodyPr>
+            <a:normAutofit/>
+          </a:bodyPr>
+          <a:lstStyle/>
+          <a:p>
+            <a:endParaRPr lang="es-ES" sz="3200" dirty="0" smtClean="0"/>
+          </a:p>
+          <a:p>
+            <a:endParaRPr lang="es-ES" sz="3200" dirty="0"/>
+          </a:p>
+          <a:p>
+            <a:r>
+              <a:rPr lang="es-ES" sz="3200" dirty="0" smtClean="0"/>
+              <a:t>1</a:t>
+            </a:r>
+            <a:r>
+              <a:rPr lang="es-ES" sz="3200" dirty="0" smtClean="0"/>
+              <a:t>. </a:t>
+            </a:r>
+            <a:r>
+              <a:rPr lang="es-ES" sz="3200" dirty="0" smtClean="0"/>
+              <a:t>Genere un modelo de datos para un servicio que permita recibir una persona y </a:t>
+            </a:r>
+            <a:r>
+              <a:rPr lang="es-ES" sz="3200" dirty="0" err="1" smtClean="0"/>
+              <a:t>devovel</a:t>
+            </a:r>
+            <a:r>
+              <a:rPr lang="es-ES" sz="3200" dirty="0" smtClean="0"/>
+              <a:t> el mismo objeto, pero con un UUID generado por el servidor.</a:t>
+            </a:r>
+            <a:endParaRPr lang="es-ES" sz="3200" dirty="0"/>
+          </a:p>
+        </p:txBody>
+      </p:sp>
+    </p:spTree>
+    <p:extLst>
+      <p:ext uri="{BB962C8B-B14F-4D97-AF65-F5344CB8AC3E}">
+        <p14:creationId xmlns:p14="http://schemas.microsoft.com/office/powerpoint/2010/main" val="2798422923"/>
+      </p:ext>
+    </p:extLst>
+  </p:cSld>
+  <p:clrMapOvr>
+    <a:masterClrMapping/>
+  </p:clrMapOvr>
+  <p:timing>
+    <p:tnLst>
+      <p:par>
+        <p:cTn id="1" dur="indefinite" restart="never" nodeType="tmRoot"/>
+      </p:par>
+    </p:tnLst>
+  </p:timing>
 </p:sld>
 </file>
 

--- a/Clase12/Presentación.pptx
+++ b/Clase12/Presentación.pptx
@@ -11123,7 +11123,19 @@
           <a:p>
             <a:r>
               <a:rPr lang="es-ES" dirty="0" smtClean="0"/>
-              <a:t>1. Desarrolle un Servicio WEB que reciba el nombre de un host desde un cliente HTML y que tenga las funciones necesarias para que devuelva la ciudad de donde proviene dicho host.</a:t>
+              <a:t>1. Desarrolle </a:t>
+            </a:r>
+            <a:r>
+              <a:rPr lang="es-ES" smtClean="0"/>
+              <a:t>un </a:t>
+            </a:r>
+            <a:r>
+              <a:rPr lang="es-ES" smtClean="0"/>
+              <a:t>servicio </a:t>
+            </a:r>
+            <a:r>
+              <a:rPr lang="es-ES" dirty="0" smtClean="0"/>
+              <a:t>WEB que reciba el nombre de un host desde un cliente HTML y que tenga las funciones necesarias para que devuelva la ciudad de donde proviene dicho host.</a:t>
             </a:r>
           </a:p>
           <a:p>
@@ -11189,12 +11201,12 @@
               <a:t>2. Desarrolle un </a:t>
             </a:r>
             <a:r>
-              <a:rPr lang="es-ES" dirty="0" err="1" smtClean="0"/>
-              <a:t>Servlet</a:t>
-            </a:r>
-            <a:r>
               <a:rPr lang="es-ES" dirty="0" smtClean="0"/>
-              <a:t> que reciba una número con ciertas unidades y la transforme a otra unidad. Hágalo para las transformaciones: peso a dólar, dólar a peso, Celsius a Fahrenheit y Fahrenheit a Celsius</a:t>
+              <a:t>servicio WEB </a:t>
+            </a:r>
+            <a:r>
+              <a:rPr lang="es-ES" dirty="0" smtClean="0"/>
+              <a:t>que reciba una número con ciertas unidades y la transforme a otra unidad. Hágalo para las transformaciones: peso a dólar, dólar a peso, Celsius a Fahrenheit y Fahrenheit a Celsius</a:t>
             </a:r>
           </a:p>
           <a:p>
@@ -18977,15 +18989,7 @@
           <a:p>
             <a:r>
               <a:rPr lang="es-ES" sz="3200" dirty="0" smtClean="0"/>
-              <a:t>1</a:t>
-            </a:r>
-            <a:r>
-              <a:rPr lang="es-ES" sz="3200" dirty="0" smtClean="0"/>
-              <a:t>. </a:t>
-            </a:r>
-            <a:r>
-              <a:rPr lang="es-ES" sz="3200" dirty="0" smtClean="0"/>
-              <a:t>Genere un modelo de datos para un servicio que permita recibir una persona y </a:t>
+              <a:t>1. Genere un modelo de datos para un servicio que permita recibir una persona y </a:t>
             </a:r>
             <a:r>
               <a:rPr lang="es-ES" sz="3200" dirty="0" err="1" smtClean="0"/>
